--- a/Hasil DISKUSI.pptx
+++ b/Hasil DISKUSI.pptx
@@ -112,6 +112,11 @@
       </a:defRPr>
     </a:lvl9pPr>
   </p:defaultTextStyle>
+  <p:extLst>
+    <p:ext uri="{EFAFB233-063F-42B5-8137-9DF3F51BA10A}">
+      <p15:sldGuideLst xmlns:p15="http://schemas.microsoft.com/office/powerpoint/2012/main"/>
+    </p:ext>
+  </p:extLst>
 </p:presentation>
 </file>
 
@@ -299,7 +304,7 @@
             <a:fld id="{B61BEF0D-F0BB-DE4B-95CE-6DB70DBA9567}" type="datetimeFigureOut">
               <a:rPr lang="en-US" smtClean="0"/>
               <a:pPr/>
-              <a:t>3/10/2015</a:t>
+              <a:t>3/11/2015</a:t>
             </a:fld>
             <a:endParaRPr lang="en-US" dirty="0"/>
           </a:p>
@@ -576,7 +581,7 @@
             <a:fld id="{B61BEF0D-F0BB-DE4B-95CE-6DB70DBA9567}" type="datetimeFigureOut">
               <a:rPr lang="en-US" smtClean="0"/>
               <a:pPr/>
-              <a:t>3/10/2015</a:t>
+              <a:t>3/11/2015</a:t>
             </a:fld>
             <a:endParaRPr lang="en-US" dirty="0"/>
           </a:p>
@@ -772,7 +777,7 @@
             <a:fld id="{B61BEF0D-F0BB-DE4B-95CE-6DB70DBA9567}" type="datetimeFigureOut">
               <a:rPr lang="en-US" smtClean="0"/>
               <a:pPr/>
-              <a:t>3/10/2015</a:t>
+              <a:t>3/11/2015</a:t>
             </a:fld>
             <a:endParaRPr lang="en-US" dirty="0"/>
           </a:p>
@@ -1042,7 +1047,7 @@
             <a:fld id="{B61BEF0D-F0BB-DE4B-95CE-6DB70DBA9567}" type="datetimeFigureOut">
               <a:rPr lang="en-US" smtClean="0"/>
               <a:pPr/>
-              <a:t>3/10/2015</a:t>
+              <a:t>3/11/2015</a:t>
             </a:fld>
             <a:endParaRPr lang="en-US" dirty="0"/>
           </a:p>
@@ -1376,7 +1381,7 @@
             <a:fld id="{B61BEF0D-F0BB-DE4B-95CE-6DB70DBA9567}" type="datetimeFigureOut">
               <a:rPr lang="en-US" smtClean="0"/>
               <a:pPr/>
-              <a:t>3/10/2015</a:t>
+              <a:t>3/11/2015</a:t>
             </a:fld>
             <a:endParaRPr lang="en-US" dirty="0"/>
           </a:p>
@@ -1988,7 +1993,7 @@
             <a:fld id="{B61BEF0D-F0BB-DE4B-95CE-6DB70DBA9567}" type="datetimeFigureOut">
               <a:rPr lang="en-US" smtClean="0"/>
               <a:pPr/>
-              <a:t>3/10/2015</a:t>
+              <a:t>3/11/2015</a:t>
             </a:fld>
             <a:endParaRPr lang="en-US" dirty="0"/>
           </a:p>
@@ -2837,7 +2842,7 @@
             <a:fld id="{B61BEF0D-F0BB-DE4B-95CE-6DB70DBA9567}" type="datetimeFigureOut">
               <a:rPr lang="en-US" smtClean="0"/>
               <a:pPr/>
-              <a:t>3/10/2015</a:t>
+              <a:t>3/11/2015</a:t>
             </a:fld>
             <a:endParaRPr lang="en-US" dirty="0"/>
           </a:p>
@@ -3009,7 +3014,7 @@
             <a:fld id="{B61BEF0D-F0BB-DE4B-95CE-6DB70DBA9567}" type="datetimeFigureOut">
               <a:rPr lang="en-US" smtClean="0"/>
               <a:pPr/>
-              <a:t>3/10/2015</a:t>
+              <a:t>3/11/2015</a:t>
             </a:fld>
             <a:endParaRPr lang="en-US" dirty="0"/>
           </a:p>
@@ -3191,7 +3196,7 @@
             <a:fld id="{B61BEF0D-F0BB-DE4B-95CE-6DB70DBA9567}" type="datetimeFigureOut">
               <a:rPr lang="en-US" smtClean="0"/>
               <a:pPr/>
-              <a:t>3/10/2015</a:t>
+              <a:t>3/11/2015</a:t>
             </a:fld>
             <a:endParaRPr lang="en-US" dirty="0"/>
           </a:p>
@@ -3363,7 +3368,7 @@
             <a:fld id="{B61BEF0D-F0BB-DE4B-95CE-6DB70DBA9567}" type="datetimeFigureOut">
               <a:rPr lang="en-US" smtClean="0"/>
               <a:pPr/>
-              <a:t>3/10/2015</a:t>
+              <a:t>3/11/2015</a:t>
             </a:fld>
             <a:endParaRPr lang="en-US" dirty="0"/>
           </a:p>
@@ -3609,7 +3614,7 @@
             <a:fld id="{B61BEF0D-F0BB-DE4B-95CE-6DB70DBA9567}" type="datetimeFigureOut">
               <a:rPr lang="en-US" smtClean="0"/>
               <a:pPr/>
-              <a:t>3/10/2015</a:t>
+              <a:t>3/11/2015</a:t>
             </a:fld>
             <a:endParaRPr lang="en-US" dirty="0"/>
           </a:p>
@@ -3903,7 +3908,7 @@
             <a:fld id="{B61BEF0D-F0BB-DE4B-95CE-6DB70DBA9567}" type="datetimeFigureOut">
               <a:rPr lang="en-US" smtClean="0"/>
               <a:pPr/>
-              <a:t>3/10/2015</a:t>
+              <a:t>3/11/2015</a:t>
             </a:fld>
             <a:endParaRPr lang="en-US" dirty="0"/>
           </a:p>
@@ -4343,7 +4348,7 @@
             <a:fld id="{B61BEF0D-F0BB-DE4B-95CE-6DB70DBA9567}" type="datetimeFigureOut">
               <a:rPr lang="en-US" smtClean="0"/>
               <a:pPr/>
-              <a:t>3/10/2015</a:t>
+              <a:t>3/11/2015</a:t>
             </a:fld>
             <a:endParaRPr lang="en-US" dirty="0"/>
           </a:p>
@@ -4463,7 +4468,7 @@
             <a:fld id="{B61BEF0D-F0BB-DE4B-95CE-6DB70DBA9567}" type="datetimeFigureOut">
               <a:rPr lang="en-US" smtClean="0"/>
               <a:pPr/>
-              <a:t>3/10/2015</a:t>
+              <a:t>3/11/2015</a:t>
             </a:fld>
             <a:endParaRPr lang="en-US" dirty="0"/>
           </a:p>
@@ -4560,7 +4565,7 @@
             <a:fld id="{B61BEF0D-F0BB-DE4B-95CE-6DB70DBA9567}" type="datetimeFigureOut">
               <a:rPr lang="en-US" smtClean="0"/>
               <a:pPr/>
-              <a:t>3/10/2015</a:t>
+              <a:t>3/11/2015</a:t>
             </a:fld>
             <a:endParaRPr lang="en-US" dirty="0"/>
           </a:p>
@@ -4841,7 +4846,7 @@
             <a:fld id="{B61BEF0D-F0BB-DE4B-95CE-6DB70DBA9567}" type="datetimeFigureOut">
               <a:rPr lang="en-US" smtClean="0"/>
               <a:pPr/>
-              <a:t>3/10/2015</a:t>
+              <a:t>3/11/2015</a:t>
             </a:fld>
             <a:endParaRPr lang="en-US" dirty="0"/>
           </a:p>
@@ -5118,7 +5123,7 @@
             <a:fld id="{B61BEF0D-F0BB-DE4B-95CE-6DB70DBA9567}" type="datetimeFigureOut">
               <a:rPr lang="en-US" smtClean="0"/>
               <a:pPr/>
-              <a:t>3/10/2015</a:t>
+              <a:t>3/11/2015</a:t>
             </a:fld>
             <a:endParaRPr lang="en-US" dirty="0"/>
           </a:p>
@@ -5549,7 +5554,7 @@
             <a:fld id="{B61BEF0D-F0BB-DE4B-95CE-6DB70DBA9567}" type="datetimeFigureOut">
               <a:rPr lang="en-US" smtClean="0"/>
               <a:pPr/>
-              <a:t>3/10/2015</a:t>
+              <a:t>3/11/2015</a:t>
             </a:fld>
             <a:endParaRPr lang="en-US" dirty="0"/>
           </a:p>
@@ -6160,7 +6165,6 @@
               <a:rPr lang="id-ID" dirty="0"/>
               <a:t>YOHANES ADITYA SUTANTO</a:t>
             </a:r>
-            <a:endParaRPr lang="id-ID" dirty="0"/>
           </a:p>
         </p:txBody>
       </p:sp>
@@ -6553,7 +6557,6 @@
               <a:rPr lang="id-ID" sz="1800" dirty="0"/>
               <a:t>3. Bagaimana mendistribusikan key (disimpan di aplikasi, dikirim, atau yang lain).</a:t>
             </a:r>
-            <a:endParaRPr lang="id-ID" sz="1800" dirty="0"/>
           </a:p>
         </p:txBody>
       </p:sp>
@@ -7705,6 +7708,44 @@
           <a:chExt cx="0" cy="0"/>
         </a:xfrm>
       </p:grpSpPr>
+      <p:sp>
+        <p:nvSpPr>
+          <p:cNvPr id="2" name="TextBox 1"/>
+          <p:cNvSpPr txBox="1"/>
+          <p:nvPr/>
+        </p:nvSpPr>
+        <p:spPr>
+          <a:xfrm>
+            <a:off x="5628068" y="3206839"/>
+            <a:ext cx="3258355" cy="369332"/>
+          </a:xfrm>
+          <a:prstGeom prst="rect">
+            <a:avLst/>
+          </a:prstGeom>
+          <a:noFill/>
+        </p:spPr>
+        <p:txBody>
+          <a:bodyPr wrap="square" rtlCol="0">
+            <a:spAutoFit/>
+          </a:bodyPr>
+          <a:lstStyle/>
+          <a:p>
+            <a:r>
+              <a:rPr lang="en-US" dirty="0" err="1" smtClean="0"/>
+              <a:t>Terima</a:t>
+            </a:r>
+            <a:r>
+              <a:rPr lang="en-US" dirty="0" smtClean="0"/>
+              <a:t> </a:t>
+            </a:r>
+            <a:r>
+              <a:rPr lang="en-US" dirty="0" err="1" smtClean="0"/>
+              <a:t>Kasih</a:t>
+            </a:r>
+            <a:endParaRPr lang="en-US" dirty="0"/>
+          </a:p>
+        </p:txBody>
+      </p:sp>
     </p:spTree>
     <p:extLst>
       <p:ext uri="{BB962C8B-B14F-4D97-AF65-F5344CB8AC3E}">
